--- a/Slides.pptx
+++ b/Slides.pptx
@@ -110,6 +110,11 @@
       </a:defRPr>
     </a:lvl9pPr>
   </p:defaultTextStyle>
+  <p:extLst>
+    <p:ext uri="{EFAFB233-063F-42B5-8137-9DF3F51BA10A}">
+      <p15:sldGuideLst xmlns:p15="http://schemas.microsoft.com/office/powerpoint/2012/main"/>
+    </p:ext>
+  </p:extLst>
 </p:presentation>
 </file>
 
@@ -13151,7 +13156,15 @@
           <a:p>
             <a:r>
               <a:rPr lang="en-US" dirty="0"/>
-              <a:t>We used vector search to tackle these challenges. Our system uses the Gemini API to convert all emails and the search query into vector embeddings and compares them. This allows the system to grasp the context and other information through the query and deliver more relevant results. This approach extends beyond keywords matching, capturing the intent behind each search.</a:t>
+              <a:t>We used vector search to tackle these challenges. Our system uses the Gemini API to convert all emails and the search query into vector embeddings and compares them. This allows the system to grasp the context and other information through the </a:t>
+            </a:r>
+            <a:r>
+              <a:rPr lang="en-US"/>
+              <a:t>query text </a:t>
+            </a:r>
+            <a:r>
+              <a:rPr lang="en-US" dirty="0"/>
+              <a:t>and deliver more relevant results. This approach extends beyond keywords matching, capturing the intent behind each search.</a:t>
             </a:r>
           </a:p>
         </p:txBody>
